--- a/HW2.pptx
+++ b/HW2.pptx
@@ -7125,6 +7125,111 @@
           </a:prstGeom>
         </p:spPr>
       </p:pic>
+      <p:sp>
+        <p:nvSpPr>
+          <p:cNvPr id="13" name="TextBox 12">
+            <a:extLst>
+              <a:ext uri="{FF2B5EF4-FFF2-40B4-BE49-F238E27FC236}">
+                <a16:creationId xmlns:a16="http://schemas.microsoft.com/office/drawing/2014/main" id="{650CEA4F-EFD0-2936-7DAB-5C004517B9FF}"/>
+              </a:ext>
+            </a:extLst>
+          </p:cNvPr>
+          <p:cNvSpPr txBox="1"/>
+          <p:nvPr/>
+        </p:nvSpPr>
+        <p:spPr>
+          <a:xfrm>
+            <a:off x="3703320" y="5590778"/>
+            <a:ext cx="853119" cy="369332"/>
+          </a:xfrm>
+          <a:prstGeom prst="rect">
+            <a:avLst/>
+          </a:prstGeom>
+          <a:noFill/>
+        </p:spPr>
+        <p:txBody>
+          <a:bodyPr wrap="none" rtlCol="0">
+            <a:spAutoFit/>
+          </a:bodyPr>
+          <a:lstStyle/>
+          <a:p>
+            <a:r>
+              <a:rPr lang="en-US" dirty="0"/>
+              <a:t>100uF</a:t>
+            </a:r>
+          </a:p>
+        </p:txBody>
+      </p:sp>
+      <p:sp>
+        <p:nvSpPr>
+          <p:cNvPr id="14" name="TextBox 13">
+            <a:extLst>
+              <a:ext uri="{FF2B5EF4-FFF2-40B4-BE49-F238E27FC236}">
+                <a16:creationId xmlns:a16="http://schemas.microsoft.com/office/drawing/2014/main" id="{9622656E-5097-4881-CCAD-E1BAF8069EE9}"/>
+              </a:ext>
+            </a:extLst>
+          </p:cNvPr>
+          <p:cNvSpPr txBox="1"/>
+          <p:nvPr/>
+        </p:nvSpPr>
+        <p:spPr>
+          <a:xfrm>
+            <a:off x="2418575" y="4668442"/>
+            <a:ext cx="723275" cy="369332"/>
+          </a:xfrm>
+          <a:prstGeom prst="rect">
+            <a:avLst/>
+          </a:prstGeom>
+          <a:noFill/>
+        </p:spPr>
+        <p:txBody>
+          <a:bodyPr wrap="none" rtlCol="0">
+            <a:spAutoFit/>
+          </a:bodyPr>
+          <a:lstStyle/>
+          <a:p>
+            <a:r>
+              <a:rPr lang="en-US" dirty="0"/>
+              <a:t>1000</a:t>
+            </a:r>
+          </a:p>
+        </p:txBody>
+      </p:sp>
+      <p:sp>
+        <p:nvSpPr>
+          <p:cNvPr id="16" name="TextBox 15">
+            <a:extLst>
+              <a:ext uri="{FF2B5EF4-FFF2-40B4-BE49-F238E27FC236}">
+                <a16:creationId xmlns:a16="http://schemas.microsoft.com/office/drawing/2014/main" id="{3635B0A0-5D76-493A-82A6-743B902BC4B7}"/>
+              </a:ext>
+            </a:extLst>
+          </p:cNvPr>
+          <p:cNvSpPr txBox="1"/>
+          <p:nvPr/>
+        </p:nvSpPr>
+        <p:spPr>
+          <a:xfrm>
+            <a:off x="640672" y="5419353"/>
+            <a:ext cx="319318" cy="369332"/>
+          </a:xfrm>
+          <a:prstGeom prst="rect">
+            <a:avLst/>
+          </a:prstGeom>
+          <a:noFill/>
+        </p:spPr>
+        <p:txBody>
+          <a:bodyPr wrap="none" rtlCol="0">
+            <a:spAutoFit/>
+          </a:bodyPr>
+          <a:lstStyle/>
+          <a:p>
+            <a:r>
+              <a:rPr lang="en-US" dirty="0"/>
+              <a:t>2</a:t>
+            </a:r>
+          </a:p>
+        </p:txBody>
+      </p:sp>
     </p:spTree>
     <p:extLst>
       <p:ext uri="{BB962C8B-B14F-4D97-AF65-F5344CB8AC3E}">
@@ -7884,35 +7989,6 @@
           </a:p>
         </p:txBody>
       </p:sp>
-      <p:pic>
-        <p:nvPicPr>
-          <p:cNvPr id="17" name="Picture 16">
-            <a:extLst>
-              <a:ext uri="{FF2B5EF4-FFF2-40B4-BE49-F238E27FC236}">
-                <a16:creationId xmlns:a16="http://schemas.microsoft.com/office/drawing/2014/main" id="{C6E93A63-035F-401B-33DE-3B75693A7DC2}"/>
-              </a:ext>
-            </a:extLst>
-          </p:cNvPr>
-          <p:cNvPicPr>
-            <a:picLocks noChangeAspect="1"/>
-          </p:cNvPicPr>
-          <p:nvPr/>
-        </p:nvPicPr>
-        <p:blipFill rotWithShape="1">
-          <a:blip r:embed="rId2"/>
-          <a:srcRect t="2239"/>
-          <a:stretch/>
-        </p:blipFill>
-        <p:spPr>
-          <a:xfrm>
-            <a:off x="317500" y="2346075"/>
-            <a:ext cx="5778500" cy="2247229"/>
-          </a:xfrm>
-          <a:prstGeom prst="rect">
-            <a:avLst/>
-          </a:prstGeom>
-        </p:spPr>
-      </p:pic>
       <p:sp>
         <p:nvSpPr>
           <p:cNvPr id="18" name="TextBox 17">
@@ -8005,7 +8081,7 @@
         <p:spPr>
           <a:xfrm>
             <a:off x="408733" y="5797966"/>
-            <a:ext cx="6468437" cy="923330"/>
+            <a:ext cx="6369051" cy="923330"/>
           </a:xfrm>
           <a:prstGeom prst="rect">
             <a:avLst/>
@@ -8047,7 +8123,7 @@
             </a:r>
             <a:r>
               <a:rPr lang="en-US" dirty="0"/>
-              <a:t>[0]	(0.0001/</a:t>
+              <a:t>[1]	(0.0001/</a:t>
             </a:r>
             <a:r>
               <a:rPr lang="en-US" dirty="0" err="1"/>
@@ -8065,19 +8141,19 @@
             </a:r>
             <a:r>
               <a:rPr lang="en-US" dirty="0" err="1"/>
+              <a:t>node_amount</a:t>
+            </a:r>
+            <a:r>
+              <a:rPr lang="en-US" dirty="0"/>
+              <a:t>	 </a:t>
+            </a:r>
+            <a:r>
+              <a:rPr lang="en-US" dirty="0" err="1"/>
               <a:t>original_node</a:t>
             </a:r>
             <a:r>
               <a:rPr lang="en-US" dirty="0"/>
-              <a:t>[1]	</a:t>
-            </a:r>
-            <a:r>
-              <a:rPr lang="en-US" dirty="0" err="1"/>
-              <a:t>node_amount</a:t>
-            </a:r>
-            <a:r>
-              <a:rPr lang="en-US" dirty="0"/>
-              <a:t>	(0.0001/ </a:t>
+              <a:t>[1]	(0.0001/ </a:t>
             </a:r>
             <a:r>
               <a:rPr lang="en-US" dirty="0" err="1"/>
@@ -8185,7 +8261,7 @@
             <p:spPr>
               <a:xfrm>
                 <a:off x="4802104" y="4657476"/>
-                <a:ext cx="2528897" cy="518540"/>
+                <a:ext cx="2555250" cy="520399"/>
               </a:xfrm>
               <a:prstGeom prst="rect">
                 <a:avLst/>
@@ -8303,6 +8379,12 @@
                             <a:rPr lang="en-US" b="0" i="1" smtClean="0">
                               <a:latin typeface="Cambria Math" panose="02040503050406030204" pitchFamily="18" charset="0"/>
                             </a:rPr>
+                            <m:t>2</m:t>
+                          </m:r>
+                          <m:r>
+                            <a:rPr lang="en-US" b="0" i="1" smtClean="0">
+                              <a:latin typeface="Cambria Math" panose="02040503050406030204" pitchFamily="18" charset="0"/>
+                            </a:rPr>
                             <m:t>𝐿</m:t>
                           </m:r>
                         </m:num>
@@ -8356,15 +8438,15 @@
             <p:spPr>
               <a:xfrm>
                 <a:off x="4802104" y="4657476"/>
-                <a:ext cx="2528897" cy="518540"/>
+                <a:ext cx="2555250" cy="520399"/>
               </a:xfrm>
               <a:prstGeom prst="rect">
                 <a:avLst/>
               </a:prstGeom>
               <a:blipFill>
-                <a:blip r:embed="rId3"/>
+                <a:blip r:embed="rId2"/>
                 <a:stretch>
-                  <a:fillRect l="-2000" t="-2381" r="-2500" b="-11905"/>
+                  <a:fillRect l="-1980" t="-4762" r="-2475" b="-11905"/>
                 </a:stretch>
               </a:blipFill>
             </p:spPr>
@@ -8400,7 +8482,7 @@
             <p:spPr>
               <a:xfrm>
                 <a:off x="4717261" y="5176016"/>
-                <a:ext cx="3107838" cy="524439"/>
+                <a:ext cx="3045641" cy="526298"/>
               </a:xfrm>
               <a:prstGeom prst="rect">
                 <a:avLst/>
@@ -8472,6 +8554,12 @@
                                 <a:rPr lang="en-US" b="0" i="1" smtClean="0">
                                   <a:latin typeface="Cambria Math" panose="02040503050406030204" pitchFamily="18" charset="0"/>
                                 </a:rPr>
+                                <m:t>2</m:t>
+                              </m:r>
+                              <m:r>
+                                <a:rPr lang="en-US" b="0" i="1" smtClean="0">
+                                  <a:latin typeface="Cambria Math" panose="02040503050406030204" pitchFamily="18" charset="0"/>
+                                </a:rPr>
                                 <m:t>𝐿</m:t>
                               </m:r>
                             </m:num>
@@ -8522,107 +8610,31 @@
                       </m:d>
                       <m:r>
                         <a:rPr lang="en-US" b="0" i="1" smtClean="0">
-                          <a:highlight>
-                            <a:srgbClr val="FFFF00"/>
-                          </a:highlight>
                           <a:latin typeface="Cambria Math" panose="02040503050406030204" pitchFamily="18" charset="0"/>
                           <a:ea typeface="Cambria Math" panose="02040503050406030204" pitchFamily="18" charset="0"/>
                         </a:rPr>
-                        <m:t>=(</m:t>
+                        <m:t>+</m:t>
                       </m:r>
-                      <m:sSub>
-                        <m:sSubPr>
-                          <m:ctrlPr>
-                            <a:rPr lang="en-US" b="0" i="1" smtClean="0">
-                              <a:highlight>
-                                <a:srgbClr val="FFFF00"/>
-                              </a:highlight>
-                              <a:latin typeface="Cambria Math" panose="02040503050406030204" pitchFamily="18" charset="0"/>
-                              <a:ea typeface="Cambria Math" panose="02040503050406030204" pitchFamily="18" charset="0"/>
-                            </a:rPr>
-                          </m:ctrlPr>
-                        </m:sSubPr>
-                        <m:e>
-                          <m:r>
-                            <a:rPr lang="en-US" b="0" i="1" smtClean="0">
-                              <a:highlight>
-                                <a:srgbClr val="FFFF00"/>
-                              </a:highlight>
-                              <a:latin typeface="Cambria Math" panose="02040503050406030204" pitchFamily="18" charset="0"/>
-                              <a:ea typeface="Cambria Math" panose="02040503050406030204" pitchFamily="18" charset="0"/>
-                            </a:rPr>
-                            <m:t>𝑉</m:t>
-                          </m:r>
-                        </m:e>
-                        <m:sub>
-                          <m:r>
-                            <a:rPr lang="en-US" b="0" i="1" smtClean="0">
-                              <a:highlight>
-                                <a:srgbClr val="FFFF00"/>
-                              </a:highlight>
-                              <a:latin typeface="Cambria Math" panose="02040503050406030204" pitchFamily="18" charset="0"/>
-                              <a:ea typeface="Cambria Math" panose="02040503050406030204" pitchFamily="18" charset="0"/>
-                            </a:rPr>
-                            <m:t>𝑛𝑜𝑑𝑒</m:t>
-                          </m:r>
-                        </m:sub>
-                      </m:sSub>
                       <m:r>
                         <a:rPr lang="en-US" b="0" i="1" smtClean="0">
-                          <a:highlight>
-                            <a:srgbClr val="FFFF00"/>
-                          </a:highlight>
                           <a:latin typeface="Cambria Math" panose="02040503050406030204" pitchFamily="18" charset="0"/>
                           <a:ea typeface="Cambria Math" panose="02040503050406030204" pitchFamily="18" charset="0"/>
                         </a:rPr>
-                        <m:t>−</m:t>
+                        <m:t>𝑜𝑙𝑑</m:t>
                       </m:r>
-                      <m:sSub>
-                        <m:sSubPr>
-                          <m:ctrlPr>
-                            <a:rPr lang="en-US" b="0" i="1" smtClean="0">
-                              <a:highlight>
-                                <a:srgbClr val="FFFF00"/>
-                              </a:highlight>
-                              <a:latin typeface="Cambria Math" panose="02040503050406030204" pitchFamily="18" charset="0"/>
-                              <a:ea typeface="Cambria Math" panose="02040503050406030204" pitchFamily="18" charset="0"/>
-                            </a:rPr>
-                          </m:ctrlPr>
-                        </m:sSubPr>
-                        <m:e>
-                          <m:r>
-                            <a:rPr lang="en-US" b="0" i="1" smtClean="0">
-                              <a:highlight>
-                                <a:srgbClr val="FFFF00"/>
-                              </a:highlight>
-                              <a:latin typeface="Cambria Math" panose="02040503050406030204" pitchFamily="18" charset="0"/>
-                              <a:ea typeface="Cambria Math" panose="02040503050406030204" pitchFamily="18" charset="0"/>
-                            </a:rPr>
-                            <m:t>𝑉</m:t>
-                          </m:r>
-                        </m:e>
-                        <m:sub>
-                          <m:r>
-                            <a:rPr lang="en-US" b="0" i="1" smtClean="0">
-                              <a:highlight>
-                                <a:srgbClr val="FFFF00"/>
-                              </a:highlight>
-                              <a:latin typeface="Cambria Math" panose="02040503050406030204" pitchFamily="18" charset="0"/>
-                              <a:ea typeface="Cambria Math" panose="02040503050406030204" pitchFamily="18" charset="0"/>
-                            </a:rPr>
-                            <m:t>𝑚</m:t>
-                          </m:r>
-                        </m:sub>
-                      </m:sSub>
                       <m:r>
                         <a:rPr lang="en-US" b="0" i="1" smtClean="0">
-                          <a:highlight>
-                            <a:srgbClr val="FFFF00"/>
-                          </a:highlight>
                           <a:latin typeface="Cambria Math" panose="02040503050406030204" pitchFamily="18" charset="0"/>
                           <a:ea typeface="Cambria Math" panose="02040503050406030204" pitchFamily="18" charset="0"/>
                         </a:rPr>
-                        <m:t>)</m:t>
+                        <m:t>_</m:t>
+                      </m:r>
+                      <m:r>
+                        <a:rPr lang="en-US" b="0" i="1" smtClean="0">
+                          <a:latin typeface="Cambria Math" panose="02040503050406030204" pitchFamily="18" charset="0"/>
+                          <a:ea typeface="Cambria Math" panose="02040503050406030204" pitchFamily="18" charset="0"/>
+                        </a:rPr>
+                        <m:t>𝑣𝑜𝑙𝑡𝑎𝑔𝑒</m:t>
                       </m:r>
                     </m:oMath>
                   </m:oMathPara>
@@ -8654,15 +8666,15 @@
             <p:spPr>
               <a:xfrm>
                 <a:off x="4717261" y="5176016"/>
-                <a:ext cx="3107838" cy="524439"/>
+                <a:ext cx="3045641" cy="526298"/>
               </a:xfrm>
               <a:prstGeom prst="rect">
                 <a:avLst/>
               </a:prstGeom>
               <a:blipFill>
-                <a:blip r:embed="rId4"/>
+                <a:blip r:embed="rId3"/>
                 <a:stretch>
-                  <a:fillRect l="-813" t="-2381" r="-1626" b="-11905"/>
+                  <a:fillRect l="-1245" t="-4762" r="-2075" b="-11905"/>
                 </a:stretch>
               </a:blipFill>
             </p:spPr>
@@ -8681,6 +8693,35 @@
           </p:sp>
         </mc:Fallback>
       </mc:AlternateContent>
+      <p:pic>
+        <p:nvPicPr>
+          <p:cNvPr id="25" name="Picture 24">
+            <a:extLst>
+              <a:ext uri="{FF2B5EF4-FFF2-40B4-BE49-F238E27FC236}">
+                <a16:creationId xmlns:a16="http://schemas.microsoft.com/office/drawing/2014/main" id="{CADD0542-40D7-F50F-CACA-A44692565FD4}"/>
+              </a:ext>
+            </a:extLst>
+          </p:cNvPr>
+          <p:cNvPicPr>
+            <a:picLocks noChangeAspect="1"/>
+          </p:cNvPicPr>
+          <p:nvPr/>
+        </p:nvPicPr>
+        <p:blipFill rotWithShape="1">
+          <a:blip r:embed="rId4"/>
+          <a:srcRect t="3288"/>
+          <a:stretch/>
+        </p:blipFill>
+        <p:spPr>
+          <a:xfrm>
+            <a:off x="600424" y="2200524"/>
+            <a:ext cx="5985667" cy="2250826"/>
+          </a:xfrm>
+          <a:prstGeom prst="rect">
+            <a:avLst/>
+          </a:prstGeom>
+        </p:spPr>
+      </p:pic>
     </p:spTree>
     <p:extLst>
       <p:ext uri="{BB962C8B-B14F-4D97-AF65-F5344CB8AC3E}">
@@ -8735,6 +8776,350 @@
             <a:r>
               <a:rPr lang="en-US" dirty="0"/>
               <a:t>Inductors - Example</a:t>
+            </a:r>
+          </a:p>
+        </p:txBody>
+      </p:sp>
+      <p:sp>
+        <p:nvSpPr>
+          <p:cNvPr id="4" name="TextBox 3">
+            <a:extLst>
+              <a:ext uri="{FF2B5EF4-FFF2-40B4-BE49-F238E27FC236}">
+                <a16:creationId xmlns:a16="http://schemas.microsoft.com/office/drawing/2014/main" id="{3214F139-7AA3-F422-5411-A386B47DBF3D}"/>
+              </a:ext>
+            </a:extLst>
+          </p:cNvPr>
+          <p:cNvSpPr txBox="1"/>
+          <p:nvPr/>
+        </p:nvSpPr>
+        <p:spPr>
+          <a:xfrm rot="16200000">
+            <a:off x="6040311" y="4092332"/>
+            <a:ext cx="1008802" cy="369332"/>
+          </a:xfrm>
+          <a:prstGeom prst="rect">
+            <a:avLst/>
+          </a:prstGeom>
+          <a:noFill/>
+        </p:spPr>
+        <p:txBody>
+          <a:bodyPr wrap="none" rtlCol="0">
+            <a:spAutoFit/>
+          </a:bodyPr>
+          <a:lstStyle/>
+          <a:p>
+            <a:r>
+              <a:rPr lang="en-US" dirty="0">
+                <a:latin typeface="Open Sans" panose="020B0606030504020204" pitchFamily="34" charset="0"/>
+                <a:ea typeface="Open Sans" panose="020B0606030504020204" pitchFamily="34" charset="0"/>
+                <a:cs typeface="Open Sans" panose="020B0606030504020204" pitchFamily="34" charset="0"/>
+              </a:rPr>
+              <a:t>Current</a:t>
+            </a:r>
+          </a:p>
+        </p:txBody>
+      </p:sp>
+      <p:sp>
+        <p:nvSpPr>
+          <p:cNvPr id="5" name="TextBox 4">
+            <a:extLst>
+              <a:ext uri="{FF2B5EF4-FFF2-40B4-BE49-F238E27FC236}">
+                <a16:creationId xmlns:a16="http://schemas.microsoft.com/office/drawing/2014/main" id="{52128506-01ED-3854-779E-6DC32F993FD1}"/>
+              </a:ext>
+            </a:extLst>
+          </p:cNvPr>
+          <p:cNvSpPr txBox="1"/>
+          <p:nvPr/>
+        </p:nvSpPr>
+        <p:spPr>
+          <a:xfrm>
+            <a:off x="7818120" y="2286000"/>
+            <a:ext cx="1981825" cy="369332"/>
+          </a:xfrm>
+          <a:prstGeom prst="rect">
+            <a:avLst/>
+          </a:prstGeom>
+          <a:noFill/>
+        </p:spPr>
+        <p:txBody>
+          <a:bodyPr wrap="none" rtlCol="0">
+            <a:spAutoFit/>
+          </a:bodyPr>
+          <a:lstStyle/>
+          <a:p>
+            <a:r>
+              <a:rPr lang="en-US" dirty="0">
+                <a:latin typeface="Open Sans" panose="020B0606030504020204" pitchFamily="34" charset="0"/>
+                <a:ea typeface="Open Sans" panose="020B0606030504020204" pitchFamily="34" charset="0"/>
+                <a:cs typeface="Open Sans" panose="020B0606030504020204" pitchFamily="34" charset="0"/>
+              </a:rPr>
+              <a:t>Inductor Current</a:t>
+            </a:r>
+          </a:p>
+        </p:txBody>
+      </p:sp>
+      <p:sp>
+        <p:nvSpPr>
+          <p:cNvPr id="6" name="TextBox 5">
+            <a:extLst>
+              <a:ext uri="{FF2B5EF4-FFF2-40B4-BE49-F238E27FC236}">
+                <a16:creationId xmlns:a16="http://schemas.microsoft.com/office/drawing/2014/main" id="{C5F804FA-8196-3CA8-0C50-BB471B30FF18}"/>
+              </a:ext>
+            </a:extLst>
+          </p:cNvPr>
+          <p:cNvSpPr txBox="1"/>
+          <p:nvPr/>
+        </p:nvSpPr>
+        <p:spPr>
+          <a:xfrm>
+            <a:off x="960120" y="2400300"/>
+            <a:ext cx="3687228" cy="830997"/>
+          </a:xfrm>
+          <a:prstGeom prst="rect">
+            <a:avLst/>
+          </a:prstGeom>
+          <a:noFill/>
+        </p:spPr>
+        <p:txBody>
+          <a:bodyPr wrap="none" rtlCol="0">
+            <a:spAutoFit/>
+          </a:bodyPr>
+          <a:lstStyle/>
+          <a:p>
+            <a:r>
+              <a:rPr lang="en-US" sz="1200" dirty="0"/>
+              <a:t>V1    1    0    PWL    0   3000   2   1   (0 0 0 1 1)</a:t>
+            </a:r>
+          </a:p>
+          <a:p>
+            <a:r>
+              <a:rPr lang="en-US" dirty="0"/>
+              <a:t>R1	1	2	1000</a:t>
+            </a:r>
+            <a:br>
+              <a:rPr lang="en-US" dirty="0"/>
+            </a:br>
+            <a:r>
+              <a:rPr lang="en-US" dirty="0"/>
+              <a:t>L1	2	0	0.0001</a:t>
+            </a:r>
+          </a:p>
+        </p:txBody>
+      </p:sp>
+      <p:sp>
+        <p:nvSpPr>
+          <p:cNvPr id="8" name="TextBox 7">
+            <a:extLst>
+              <a:ext uri="{FF2B5EF4-FFF2-40B4-BE49-F238E27FC236}">
+                <a16:creationId xmlns:a16="http://schemas.microsoft.com/office/drawing/2014/main" id="{50B93D42-D1ED-9483-4E56-166C26DDF358}"/>
+              </a:ext>
+            </a:extLst>
+          </p:cNvPr>
+          <p:cNvSpPr txBox="1"/>
+          <p:nvPr/>
+        </p:nvSpPr>
+        <p:spPr>
+          <a:xfrm>
+            <a:off x="857250" y="3534371"/>
+            <a:ext cx="2895408" cy="1200329"/>
+          </a:xfrm>
+          <a:prstGeom prst="rect">
+            <a:avLst/>
+          </a:prstGeom>
+          <a:noFill/>
+        </p:spPr>
+        <p:txBody>
+          <a:bodyPr wrap="none" rtlCol="0">
+            <a:spAutoFit/>
+          </a:bodyPr>
+          <a:lstStyle/>
+          <a:p>
+            <a:r>
+              <a:rPr lang="en-US" dirty="0"/>
+              <a:t>Parameters:</a:t>
+            </a:r>
+          </a:p>
+          <a:p>
+            <a:r>
+              <a:rPr lang="en-US" dirty="0"/>
+              <a:t>    - Initial Condition = 0</a:t>
+            </a:r>
+          </a:p>
+          <a:p>
+            <a:r>
+              <a:rPr lang="en-US" dirty="0"/>
+              <a:t>    - Time Duration: 1</a:t>
+            </a:r>
+          </a:p>
+          <a:p>
+            <a:r>
+              <a:rPr lang="en-US" dirty="0"/>
+              <a:t>    - Time Resolution: 3000</a:t>
+            </a:r>
+          </a:p>
+        </p:txBody>
+      </p:sp>
+      <p:pic>
+        <p:nvPicPr>
+          <p:cNvPr id="9" name="Picture 8">
+            <a:extLst>
+              <a:ext uri="{FF2B5EF4-FFF2-40B4-BE49-F238E27FC236}">
+                <a16:creationId xmlns:a16="http://schemas.microsoft.com/office/drawing/2014/main" id="{0ED45C9C-26FF-D597-06DD-CA8EDFDED5DE}"/>
+              </a:ext>
+            </a:extLst>
+          </p:cNvPr>
+          <p:cNvPicPr>
+            <a:picLocks noChangeAspect="1"/>
+          </p:cNvPicPr>
+          <p:nvPr/>
+        </p:nvPicPr>
+        <p:blipFill>
+          <a:blip r:embed="rId2"/>
+          <a:stretch>
+            <a:fillRect/>
+          </a:stretch>
+        </p:blipFill>
+        <p:spPr>
+          <a:xfrm>
+            <a:off x="1143394" y="5037774"/>
+            <a:ext cx="2768600" cy="1651000"/>
+          </a:xfrm>
+          <a:prstGeom prst="rect">
+            <a:avLst/>
+          </a:prstGeom>
+        </p:spPr>
+      </p:pic>
+      <p:pic>
+        <p:nvPicPr>
+          <p:cNvPr id="10" name="Picture 9">
+            <a:extLst>
+              <a:ext uri="{FF2B5EF4-FFF2-40B4-BE49-F238E27FC236}">
+                <a16:creationId xmlns:a16="http://schemas.microsoft.com/office/drawing/2014/main" id="{018A685F-3B26-2FB4-298C-D18F8144E63D}"/>
+              </a:ext>
+            </a:extLst>
+          </p:cNvPr>
+          <p:cNvPicPr>
+            <a:picLocks noChangeAspect="1"/>
+          </p:cNvPicPr>
+          <p:nvPr/>
+        </p:nvPicPr>
+        <p:blipFill>
+          <a:blip r:embed="rId3"/>
+          <a:stretch>
+            <a:fillRect/>
+          </a:stretch>
+        </p:blipFill>
+        <p:spPr>
+          <a:xfrm>
+            <a:off x="6779310" y="2603758"/>
+            <a:ext cx="4059443" cy="3061553"/>
+          </a:xfrm>
+          <a:prstGeom prst="rect">
+            <a:avLst/>
+          </a:prstGeom>
+        </p:spPr>
+      </p:pic>
+      <p:sp>
+        <p:nvSpPr>
+          <p:cNvPr id="11" name="TextBox 10">
+            <a:extLst>
+              <a:ext uri="{FF2B5EF4-FFF2-40B4-BE49-F238E27FC236}">
+                <a16:creationId xmlns:a16="http://schemas.microsoft.com/office/drawing/2014/main" id="{399D973D-BBF9-A147-7288-853329E47F50}"/>
+              </a:ext>
+            </a:extLst>
+          </p:cNvPr>
+          <p:cNvSpPr txBox="1"/>
+          <p:nvPr/>
+        </p:nvSpPr>
+        <p:spPr>
+          <a:xfrm>
+            <a:off x="1115568" y="5665311"/>
+            <a:ext cx="319318" cy="369332"/>
+          </a:xfrm>
+          <a:prstGeom prst="rect">
+            <a:avLst/>
+          </a:prstGeom>
+          <a:noFill/>
+        </p:spPr>
+        <p:txBody>
+          <a:bodyPr wrap="none" rtlCol="0">
+            <a:spAutoFit/>
+          </a:bodyPr>
+          <a:lstStyle/>
+          <a:p>
+            <a:r>
+              <a:rPr lang="en-US" dirty="0"/>
+              <a:t>2</a:t>
+            </a:r>
+          </a:p>
+        </p:txBody>
+      </p:sp>
+      <p:sp>
+        <p:nvSpPr>
+          <p:cNvPr id="12" name="TextBox 11">
+            <a:extLst>
+              <a:ext uri="{FF2B5EF4-FFF2-40B4-BE49-F238E27FC236}">
+                <a16:creationId xmlns:a16="http://schemas.microsoft.com/office/drawing/2014/main" id="{1B9BBCFB-BD2B-763D-B3DE-8492D6F8CDBA}"/>
+              </a:ext>
+            </a:extLst>
+          </p:cNvPr>
+          <p:cNvSpPr txBox="1"/>
+          <p:nvPr/>
+        </p:nvSpPr>
+        <p:spPr>
+          <a:xfrm>
+            <a:off x="2704325" y="4853108"/>
+            <a:ext cx="723275" cy="369332"/>
+          </a:xfrm>
+          <a:prstGeom prst="rect">
+            <a:avLst/>
+          </a:prstGeom>
+          <a:noFill/>
+        </p:spPr>
+        <p:txBody>
+          <a:bodyPr wrap="none" rtlCol="0">
+            <a:spAutoFit/>
+          </a:bodyPr>
+          <a:lstStyle/>
+          <a:p>
+            <a:r>
+              <a:rPr lang="en-US" dirty="0"/>
+              <a:t>1000</a:t>
+            </a:r>
+          </a:p>
+        </p:txBody>
+      </p:sp>
+      <p:sp>
+        <p:nvSpPr>
+          <p:cNvPr id="13" name="TextBox 12">
+            <a:extLst>
+              <a:ext uri="{FF2B5EF4-FFF2-40B4-BE49-F238E27FC236}">
+                <a16:creationId xmlns:a16="http://schemas.microsoft.com/office/drawing/2014/main" id="{F570C79C-B557-769D-093B-675C02F6DF31}"/>
+              </a:ext>
+            </a:extLst>
+          </p:cNvPr>
+          <p:cNvSpPr txBox="1"/>
+          <p:nvPr/>
+        </p:nvSpPr>
+        <p:spPr>
+          <a:xfrm>
+            <a:off x="3703320" y="5590778"/>
+            <a:ext cx="888385" cy="369332"/>
+          </a:xfrm>
+          <a:prstGeom prst="rect">
+            <a:avLst/>
+          </a:prstGeom>
+          <a:noFill/>
+        </p:spPr>
+        <p:txBody>
+          <a:bodyPr wrap="none" rtlCol="0">
+            <a:spAutoFit/>
+          </a:bodyPr>
+          <a:lstStyle/>
+          <a:p>
+            <a:r>
+              <a:rPr lang="en-US" dirty="0"/>
+              <a:t>100uH</a:t>
             </a:r>
           </a:p>
         </p:txBody>
